--- a/slides/lecture9.pptx
+++ b/slides/lecture9.pptx
@@ -4253,9 +4253,18 @@
           </a:p>
           <a:p>
             <a:r>
-              <a:rPr lang="en-US" dirty="0"/>
-              <a:t>Start forming your team today</a:t>
-            </a:r>
+              <a:rPr lang="en-US"/>
+              <a:t>Go a bit </a:t>
+            </a:r>
+            <a:r>
+              <a:rPr lang="en-US" dirty="0"/>
+              <a:t>deeper to your project </a:t>
+            </a:r>
+            <a:r>
+              <a:rPr lang="en-US"/>
+              <a:t>details today</a:t>
+            </a:r>
+            <a:endParaRPr lang="en-US" dirty="0"/>
           </a:p>
           <a:p>
             <a:pPr lvl="1"/>
